--- a/Presentation.pptx
+++ b/Presentation.pptx
@@ -4215,8 +4215,25 @@
                 <a:latin typeface="Cordia New" pitchFamily="34" charset="-34"/>
                 <a:cs typeface="Cordia New" pitchFamily="34" charset="-34"/>
               </a:rPr>
-              <a:t>framework </a:t>
-            </a:r>
+              <a:t>F</a:t>
+            </a:r>
+            <a:r>
+              <a:rPr lang="en-US" sz="6000" dirty="0" smtClean="0">
+                <a:solidFill>
+                  <a:schemeClr val="tx1"/>
+                </a:solidFill>
+                <a:latin typeface="Cordia New" pitchFamily="34" charset="-34"/>
+                <a:cs typeface="Cordia New" pitchFamily="34" charset="-34"/>
+              </a:rPr>
+              <a:t>ramework </a:t>
+            </a:r>
+            <a:endParaRPr lang="en-US" sz="6000" dirty="0">
+              <a:solidFill>
+                <a:schemeClr val="tx1"/>
+              </a:solidFill>
+              <a:latin typeface="Cordia New" pitchFamily="34" charset="-34"/>
+              <a:cs typeface="Cordia New" pitchFamily="34" charset="-34"/>
+            </a:endParaRPr>
           </a:p>
         </p:txBody>
       </p:sp>
@@ -4344,7 +4361,7 @@
         </p:blipFill>
         <p:spPr>
           <a:xfrm>
-            <a:off x="1690796" y="1930400"/>
+            <a:off x="1714480" y="2428868"/>
             <a:ext cx="5329302" cy="3738990"/>
           </a:xfrm>
           <a:prstGeom prst="rect">
@@ -4437,7 +4454,7 @@
         </p:blipFill>
         <p:spPr>
           <a:xfrm>
-            <a:off x="1294448" y="2074026"/>
+            <a:off x="1500166" y="2571744"/>
             <a:ext cx="6143625" cy="3657600"/>
           </a:xfrm>
           <a:prstGeom prst="rect">
@@ -4498,7 +4515,11 @@
             </a:pPr>
             <a:r>
               <a:rPr lang="th-TH" sz="2800" dirty="0"/>
-              <a:t>ทดสอบ ลองเปิดเว็บว่าสามารถใช้งานได้รึไม่</a:t>
+              <a:t>ทดสอบ ลองเปิดเว็บว่าสามารถใช้งาน</a:t>
+            </a:r>
+            <a:r>
+              <a:rPr lang="th-TH" sz="2800" dirty="0" smtClean="0"/>
+              <a:t>ได้หรือไม่</a:t>
             </a:r>
             <a:endParaRPr lang="en-US" sz="2800" dirty="0"/>
           </a:p>
@@ -4519,7 +4540,7 @@
         </p:blipFill>
         <p:spPr>
           <a:xfrm>
-            <a:off x="1078577" y="1604358"/>
+            <a:off x="1214414" y="2357430"/>
             <a:ext cx="6157812" cy="4106487"/>
           </a:xfrm>
           <a:prstGeom prst="rect">
@@ -4696,7 +4717,11 @@
             </a:r>
             <a:r>
               <a:rPr lang="en-US" sz="2800" dirty="0" smtClean="0"/>
-              <a:t>“57160406” </a:t>
+              <a:t>“</a:t>
+            </a:r>
+            <a:r>
+              <a:rPr lang="en-US" sz="2800" dirty="0" smtClean="0"/>
+              <a:t>57160410” </a:t>
             </a:r>
             <a:r>
               <a:rPr lang="th-TH" sz="2800" dirty="0"/>
@@ -4739,7 +4764,7 @@
             </a:r>
             <a:r>
               <a:rPr lang="en-US" sz="2800" dirty="0" smtClean="0"/>
-              <a:t>57160406@go.buu.ac.th</a:t>
+              <a:t>57160410@go.buu.ac.th</a:t>
             </a:r>
             <a:r>
               <a:rPr lang="en-US" sz="2800" dirty="0"/>
@@ -5227,7 +5252,7 @@
         </p:blipFill>
         <p:spPr>
           <a:xfrm>
-            <a:off x="1285551" y="1824990"/>
+            <a:off x="2071670" y="2428868"/>
             <a:ext cx="5538632" cy="3885854"/>
           </a:xfrm>
           <a:prstGeom prst="rect">
@@ -5309,7 +5334,13 @@
               <a:rPr lang="en-US" sz="2800" dirty="0" smtClean="0">
                 <a:hlinkClick r:id="rId2"/>
               </a:rPr>
-              <a:t>github.com/57160406/interview_rails-.</a:t>
+              <a:t>github.com/57160410/interview_rails-</a:t>
+            </a:r>
+            <a:r>
+              <a:rPr lang="en-US" sz="2800" dirty="0" smtClean="0">
+                <a:hlinkClick r:id="rId2"/>
+              </a:rPr>
+              <a:t>.</a:t>
             </a:r>
             <a:r>
               <a:rPr lang="en-US" sz="2800" dirty="0">
@@ -5422,8 +5453,8 @@
         </p:blipFill>
         <p:spPr>
           <a:xfrm>
-            <a:off x="2755377" y="2793336"/>
-            <a:ext cx="3176047" cy="1632827"/>
+            <a:off x="2928926" y="2285992"/>
+            <a:ext cx="3500462" cy="1799611"/>
           </a:xfrm>
           <a:prstGeom prst="rect">
             <a:avLst/>
@@ -5439,7 +5470,7 @@
         <p:spPr>
           <a:xfrm>
             <a:off x="1447453" y="1086366"/>
-            <a:ext cx="6249092" cy="954107"/>
+            <a:ext cx="6249092" cy="523220"/>
           </a:xfrm>
           <a:prstGeom prst="rect">
             <a:avLst/>
@@ -5480,26 +5511,37 @@
               <a:t>เข้า </a:t>
             </a:r>
             <a:r>
-              <a:rPr lang="en-US" sz="2800" dirty="0">
+              <a:rPr lang="en-US" sz="2800" dirty="0" smtClean="0">
                 <a:latin typeface="AngsanaUPC" pitchFamily="18" charset="-34"/>
                 <a:cs typeface="AngsanaUPC" pitchFamily="18" charset="-34"/>
               </a:rPr>
-              <a:t>Desktop </a:t>
+              <a:t>D:/ </a:t>
             </a:r>
             <a:r>
               <a:rPr lang="th-TH" sz="2800" dirty="0">
                 <a:latin typeface="AngsanaUPC" pitchFamily="18" charset="-34"/>
                 <a:cs typeface="AngsanaUPC" pitchFamily="18" charset="-34"/>
               </a:rPr>
-              <a:t>เพื่อที่จะให้ ไฟล์งานที่เราต้องการมาอยู่หน้า </a:t>
-            </a:r>
-            <a:r>
-              <a:rPr lang="en-US" sz="2800" dirty="0">
+              <a:t>เพื่อที่จะให้ ไฟล์งานที่เราต้องการมา</a:t>
+            </a:r>
+            <a:r>
+              <a:rPr lang="th-TH" sz="2800" dirty="0" smtClean="0">
                 <a:latin typeface="AngsanaUPC" pitchFamily="18" charset="-34"/>
                 <a:cs typeface="AngsanaUPC" pitchFamily="18" charset="-34"/>
               </a:rPr>
-              <a:t>desktop</a:t>
-            </a:r>
+              <a:t>อยู่ที่ </a:t>
+            </a:r>
+            <a:r>
+              <a:rPr lang="en-US" sz="2800" dirty="0" smtClean="0">
+                <a:latin typeface="AngsanaUPC" pitchFamily="18" charset="-34"/>
+                <a:cs typeface="AngsanaUPC" pitchFamily="18" charset="-34"/>
+              </a:rPr>
+              <a:t>D:/</a:t>
+            </a:r>
+            <a:endParaRPr lang="en-US" sz="2800" dirty="0">
+              <a:latin typeface="AngsanaUPC" pitchFamily="18" charset="-34"/>
+              <a:cs typeface="AngsanaUPC" pitchFamily="18" charset="-34"/>
+            </a:endParaRPr>
           </a:p>
         </p:txBody>
       </p:sp>
@@ -7180,7 +7222,7 @@
         </p:blipFill>
         <p:spPr bwMode="auto">
           <a:xfrm>
-            <a:off x="946150" y="1598083"/>
+            <a:off x="1357290" y="2143116"/>
             <a:ext cx="5670550" cy="4056018"/>
           </a:xfrm>
           <a:prstGeom prst="rect">
@@ -7897,7 +7939,7 @@
         </p:blipFill>
         <p:spPr bwMode="auto">
           <a:xfrm>
-            <a:off x="987824" y="1780647"/>
+            <a:off x="1214414" y="2357430"/>
             <a:ext cx="6016226" cy="4210813"/>
           </a:xfrm>
           <a:prstGeom prst="rect">
@@ -8420,7 +8462,7 @@
         </p:blipFill>
         <p:spPr>
           <a:xfrm>
-            <a:off x="2719886" y="1821921"/>
+            <a:off x="2714612" y="2071678"/>
             <a:ext cx="2576015" cy="3881437"/>
           </a:xfrm>
         </p:spPr>
@@ -9638,7 +9680,7 @@
         </p:blipFill>
         <p:spPr>
           <a:xfrm>
-            <a:off x="2875034" y="1930401"/>
+            <a:off x="2857488" y="2357430"/>
             <a:ext cx="2271713" cy="3933825"/>
           </a:xfrm>
           <a:prstGeom prst="rect">
